--- a/Reading/overview.pptx
+++ b/Reading/overview.pptx
@@ -210,7 +210,7 @@
           <a:p>
             <a:fld id="{A5C20BB3-3CCB-4FE5-991B-82F6BCB48AF3}" type="datetimeFigureOut">
               <a:rPr lang="en-US" smtClean="0"/>
-              <a:t>7/28/23</a:t>
+              <a:t>10/4/23</a:t>
             </a:fld>
             <a:endParaRPr lang="en-US"/>
           </a:p>
@@ -721,7 +721,7 @@
           <a:p>
             <a:fld id="{5D6495F3-B757-4FAF-98AA-EDA7D1485485}" type="datetimeFigureOut">
               <a:rPr lang="en-US" smtClean="0"/>
-              <a:t>7/28/23</a:t>
+              <a:t>10/4/23</a:t>
             </a:fld>
             <a:endParaRPr lang="en-US"/>
           </a:p>
@@ -919,7 +919,7 @@
           <a:p>
             <a:fld id="{5D6495F3-B757-4FAF-98AA-EDA7D1485485}" type="datetimeFigureOut">
               <a:rPr lang="en-US" smtClean="0"/>
-              <a:t>7/28/23</a:t>
+              <a:t>10/4/23</a:t>
             </a:fld>
             <a:endParaRPr lang="en-US"/>
           </a:p>
@@ -1127,7 +1127,7 @@
           <a:p>
             <a:fld id="{5D6495F3-B757-4FAF-98AA-EDA7D1485485}" type="datetimeFigureOut">
               <a:rPr lang="en-US" smtClean="0"/>
-              <a:t>7/28/23</a:t>
+              <a:t>10/4/23</a:t>
             </a:fld>
             <a:endParaRPr lang="en-US"/>
           </a:p>
@@ -1325,7 +1325,7 @@
           <a:p>
             <a:fld id="{5D6495F3-B757-4FAF-98AA-EDA7D1485485}" type="datetimeFigureOut">
               <a:rPr lang="en-US" smtClean="0"/>
-              <a:t>7/28/23</a:t>
+              <a:t>10/4/23</a:t>
             </a:fld>
             <a:endParaRPr lang="en-US"/>
           </a:p>
@@ -1600,7 +1600,7 @@
           <a:p>
             <a:fld id="{5D6495F3-B757-4FAF-98AA-EDA7D1485485}" type="datetimeFigureOut">
               <a:rPr lang="en-US" smtClean="0"/>
-              <a:t>7/28/23</a:t>
+              <a:t>10/4/23</a:t>
             </a:fld>
             <a:endParaRPr lang="en-US"/>
           </a:p>
@@ -1865,7 +1865,7 @@
           <a:p>
             <a:fld id="{5D6495F3-B757-4FAF-98AA-EDA7D1485485}" type="datetimeFigureOut">
               <a:rPr lang="en-US" smtClean="0"/>
-              <a:t>7/28/23</a:t>
+              <a:t>10/4/23</a:t>
             </a:fld>
             <a:endParaRPr lang="en-US"/>
           </a:p>
@@ -2277,7 +2277,7 @@
           <a:p>
             <a:fld id="{5D6495F3-B757-4FAF-98AA-EDA7D1485485}" type="datetimeFigureOut">
               <a:rPr lang="en-US" smtClean="0"/>
-              <a:t>7/28/23</a:t>
+              <a:t>10/4/23</a:t>
             </a:fld>
             <a:endParaRPr lang="en-US"/>
           </a:p>
@@ -2418,7 +2418,7 @@
           <a:p>
             <a:fld id="{5D6495F3-B757-4FAF-98AA-EDA7D1485485}" type="datetimeFigureOut">
               <a:rPr lang="en-US" smtClean="0"/>
-              <a:t>7/28/23</a:t>
+              <a:t>10/4/23</a:t>
             </a:fld>
             <a:endParaRPr lang="en-US"/>
           </a:p>
@@ -2531,7 +2531,7 @@
           <a:p>
             <a:fld id="{5D6495F3-B757-4FAF-98AA-EDA7D1485485}" type="datetimeFigureOut">
               <a:rPr lang="en-US" smtClean="0"/>
-              <a:t>7/28/23</a:t>
+              <a:t>10/4/23</a:t>
             </a:fld>
             <a:endParaRPr lang="en-US"/>
           </a:p>
@@ -2842,7 +2842,7 @@
           <a:p>
             <a:fld id="{5D6495F3-B757-4FAF-98AA-EDA7D1485485}" type="datetimeFigureOut">
               <a:rPr lang="en-US" smtClean="0"/>
-              <a:t>7/28/23</a:t>
+              <a:t>10/4/23</a:t>
             </a:fld>
             <a:endParaRPr lang="en-US"/>
           </a:p>
@@ -3133,7 +3133,7 @@
           <a:p>
             <a:fld id="{5D6495F3-B757-4FAF-98AA-EDA7D1485485}" type="datetimeFigureOut">
               <a:rPr lang="en-US" smtClean="0"/>
-              <a:t>7/28/23</a:t>
+              <a:t>10/4/23</a:t>
             </a:fld>
             <a:endParaRPr lang="en-US"/>
           </a:p>
@@ -3374,7 +3374,7 @@
           <a:p>
             <a:fld id="{5D6495F3-B757-4FAF-98AA-EDA7D1485485}" type="datetimeFigureOut">
               <a:rPr lang="en-US" smtClean="0"/>
-              <a:t>7/28/23</a:t>
+              <a:t>10/4/23</a:t>
             </a:fld>
             <a:endParaRPr lang="en-US"/>
           </a:p>
@@ -6519,8 +6519,8 @@
         </p:blipFill>
         <p:spPr bwMode="auto">
           <a:xfrm>
-            <a:off x="7673419" y="1363"/>
-            <a:ext cx="3646281" cy="4950324"/>
+            <a:off x="3887234" y="656449"/>
+            <a:ext cx="2424349" cy="3291385"/>
           </a:xfrm>
           <a:prstGeom prst="rect">
             <a:avLst/>
@@ -6537,6 +6537,397 @@
           </a:extLst>
         </p:spPr>
       </p:pic>
+      <p:sp>
+        <p:nvSpPr>
+          <p:cNvPr id="4" name="Rectangle 3">
+            <a:extLst>
+              <a:ext uri="{FF2B5EF4-FFF2-40B4-BE49-F238E27FC236}">
+                <a16:creationId xmlns:a16="http://schemas.microsoft.com/office/drawing/2014/main" id="{9DA4847C-751C-0785-0A3E-934620897FFB}"/>
+              </a:ext>
+            </a:extLst>
+          </p:cNvPr>
+          <p:cNvSpPr/>
+          <p:nvPr/>
+        </p:nvSpPr>
+        <p:spPr>
+          <a:xfrm>
+            <a:off x="5099408" y="1321904"/>
+            <a:ext cx="1212175" cy="2236305"/>
+          </a:xfrm>
+          <a:prstGeom prst="rect">
+            <a:avLst/>
+          </a:prstGeom>
+          <a:noFill/>
+          <a:ln w="9525" cap="flat" cmpd="sng" algn="ctr">
+            <a:solidFill>
+              <a:schemeClr val="accent2"/>
+            </a:solidFill>
+            <a:prstDash val="solid"/>
+            <a:round/>
+            <a:headEnd type="none" w="med" len="med"/>
+            <a:tailEnd type="none" w="med" len="med"/>
+          </a:ln>
+        </p:spPr>
+        <p:style>
+          <a:lnRef idx="0">
+            <a:scrgbClr r="0" g="0" b="0"/>
+          </a:lnRef>
+          <a:fillRef idx="0">
+            <a:scrgbClr r="0" g="0" b="0"/>
+          </a:fillRef>
+          <a:effectRef idx="0">
+            <a:scrgbClr r="0" g="0" b="0"/>
+          </a:effectRef>
+          <a:fontRef idx="minor">
+            <a:schemeClr val="accent2"/>
+          </a:fontRef>
+        </p:style>
+        <p:txBody>
+          <a:bodyPr rtlCol="0" anchor="ctr"/>
+          <a:lstStyle/>
+          <a:p>
+            <a:pPr algn="ctr"/>
+            <a:endParaRPr lang="en-US"/>
+          </a:p>
+        </p:txBody>
+      </p:sp>
+      <p:sp>
+        <p:nvSpPr>
+          <p:cNvPr id="6" name="Right Arrow 5">
+            <a:extLst>
+              <a:ext uri="{FF2B5EF4-FFF2-40B4-BE49-F238E27FC236}">
+                <a16:creationId xmlns:a16="http://schemas.microsoft.com/office/drawing/2014/main" id="{61B537D7-9812-E106-BA1D-371CC7B065E8}"/>
+              </a:ext>
+            </a:extLst>
+          </p:cNvPr>
+          <p:cNvSpPr/>
+          <p:nvPr/>
+        </p:nvSpPr>
+        <p:spPr>
+          <a:xfrm>
+            <a:off x="6450496" y="2385391"/>
+            <a:ext cx="819868" cy="417444"/>
+          </a:xfrm>
+          <a:prstGeom prst="rightArrow">
+            <a:avLst/>
+          </a:prstGeom>
+        </p:spPr>
+        <p:style>
+          <a:lnRef idx="2">
+            <a:schemeClr val="accent1">
+              <a:shade val="50000"/>
+            </a:schemeClr>
+          </a:lnRef>
+          <a:fillRef idx="1">
+            <a:schemeClr val="accent1"/>
+          </a:fillRef>
+          <a:effectRef idx="0">
+            <a:schemeClr val="accent1"/>
+          </a:effectRef>
+          <a:fontRef idx="minor">
+            <a:schemeClr val="lt1"/>
+          </a:fontRef>
+        </p:style>
+        <p:txBody>
+          <a:bodyPr rtlCol="0" anchor="ctr"/>
+          <a:lstStyle/>
+          <a:p>
+            <a:pPr algn="ctr"/>
+            <a:endParaRPr lang="en-US"/>
+          </a:p>
+        </p:txBody>
+      </p:sp>
+      <p:sp>
+        <p:nvSpPr>
+          <p:cNvPr id="7" name="Rectangle 6">
+            <a:extLst>
+              <a:ext uri="{FF2B5EF4-FFF2-40B4-BE49-F238E27FC236}">
+                <a16:creationId xmlns:a16="http://schemas.microsoft.com/office/drawing/2014/main" id="{C4141987-7CCD-1187-6AE2-F0E86967FA6B}"/>
+              </a:ext>
+            </a:extLst>
+          </p:cNvPr>
+          <p:cNvSpPr/>
+          <p:nvPr/>
+        </p:nvSpPr>
+        <p:spPr>
+          <a:xfrm>
+            <a:off x="8631159" y="3267003"/>
+            <a:ext cx="2365079" cy="1361661"/>
+          </a:xfrm>
+          <a:prstGeom prst="rect">
+            <a:avLst/>
+          </a:prstGeom>
+          <a:noFill/>
+          <a:ln w="9525" cap="flat" cmpd="sng" algn="ctr">
+            <a:solidFill>
+              <a:schemeClr val="accent2"/>
+            </a:solidFill>
+            <a:prstDash val="solid"/>
+            <a:round/>
+            <a:headEnd type="none" w="med" len="med"/>
+            <a:tailEnd type="none" w="med" len="med"/>
+          </a:ln>
+        </p:spPr>
+        <p:style>
+          <a:lnRef idx="0">
+            <a:scrgbClr r="0" g="0" b="0"/>
+          </a:lnRef>
+          <a:fillRef idx="0">
+            <a:scrgbClr r="0" g="0" b="0"/>
+          </a:fillRef>
+          <a:effectRef idx="0">
+            <a:scrgbClr r="0" g="0" b="0"/>
+          </a:effectRef>
+          <a:fontRef idx="minor">
+            <a:schemeClr val="accent2"/>
+          </a:fontRef>
+        </p:style>
+        <p:txBody>
+          <a:bodyPr rtlCol="0" anchor="ctr"/>
+          <a:lstStyle/>
+          <a:p>
+            <a:pPr algn="ctr"/>
+            <a:endParaRPr lang="en-US"/>
+          </a:p>
+        </p:txBody>
+      </p:sp>
+      <p:sp>
+        <p:nvSpPr>
+          <p:cNvPr id="8" name="TextBox 7">
+            <a:extLst>
+              <a:ext uri="{FF2B5EF4-FFF2-40B4-BE49-F238E27FC236}">
+                <a16:creationId xmlns:a16="http://schemas.microsoft.com/office/drawing/2014/main" id="{0824B358-EB46-233C-8D12-7E27E7ADE101}"/>
+              </a:ext>
+            </a:extLst>
+          </p:cNvPr>
+          <p:cNvSpPr txBox="1"/>
+          <p:nvPr/>
+        </p:nvSpPr>
+        <p:spPr>
+          <a:xfrm>
+            <a:off x="9193047" y="3644160"/>
+            <a:ext cx="1241302" cy="646331"/>
+          </a:xfrm>
+          <a:prstGeom prst="rect">
+            <a:avLst/>
+          </a:prstGeom>
+          <a:noFill/>
+        </p:spPr>
+        <p:txBody>
+          <a:bodyPr wrap="none" rtlCol="0">
+            <a:spAutoFit/>
+          </a:bodyPr>
+          <a:lstStyle/>
+          <a:p>
+            <a:r>
+              <a:rPr lang="en-US" dirty="0"/>
+              <a:t>Pre-trained</a:t>
+            </a:r>
+          </a:p>
+          <a:p>
+            <a:pPr algn="ctr"/>
+            <a:r>
+              <a:rPr lang="en-US" dirty="0"/>
+              <a:t>BERT</a:t>
+            </a:r>
+          </a:p>
+        </p:txBody>
+      </p:sp>
+      <p:pic>
+        <p:nvPicPr>
+          <p:cNvPr id="10" name="Picture 4" descr="Loss Functions Explained. Intuitive explanations of various Loss… | by  Harsha Bommana | Deep Learning Demystified | Medium">
+            <a:extLst>
+              <a:ext uri="{FF2B5EF4-FFF2-40B4-BE49-F238E27FC236}">
+                <a16:creationId xmlns:a16="http://schemas.microsoft.com/office/drawing/2014/main" id="{4C214048-E095-E994-5A3B-40AC07CB71A0}"/>
+              </a:ext>
+            </a:extLst>
+          </p:cNvPr>
+          <p:cNvPicPr>
+            <a:picLocks noChangeAspect="1" noChangeArrowheads="1"/>
+          </p:cNvPicPr>
+          <p:nvPr/>
+        </p:nvPicPr>
+        <p:blipFill rotWithShape="1">
+          <a:blip r:embed="rId3">
+            <a:extLst>
+              <a:ext uri="{28A0092B-C50C-407E-A947-70E740481C1C}">
+                <a14:useLocalDpi xmlns:a14="http://schemas.microsoft.com/office/drawing/2010/main" val="0"/>
+              </a:ext>
+            </a:extLst>
+          </a:blip>
+          <a:srcRect l="13855" r="47283"/>
+          <a:stretch/>
+        </p:blipFill>
+        <p:spPr bwMode="auto">
+          <a:xfrm rot="16200000">
+            <a:off x="9128217" y="207078"/>
+            <a:ext cx="2417622" cy="3544796"/>
+          </a:xfrm>
+          <a:prstGeom prst="rect">
+            <a:avLst/>
+          </a:prstGeom>
+          <a:noFill/>
+          <a:extLst>
+            <a:ext uri="{909E8E84-426E-40DD-AFC4-6F175D3DCCD1}">
+              <a14:hiddenFill xmlns:a14="http://schemas.microsoft.com/office/drawing/2010/main">
+                <a:solidFill>
+                  <a:srgbClr val="FFFFFF"/>
+                </a:solidFill>
+              </a14:hiddenFill>
+            </a:ext>
+          </a:extLst>
+        </p:spPr>
+      </p:pic>
+      <p:pic>
+        <p:nvPicPr>
+          <p:cNvPr id="12" name="Picture 4" descr="Loss Functions Explained. Intuitive explanations of various Loss… | by  Harsha Bommana | Deep Learning Demystified | Medium">
+            <a:extLst>
+              <a:ext uri="{FF2B5EF4-FFF2-40B4-BE49-F238E27FC236}">
+                <a16:creationId xmlns:a16="http://schemas.microsoft.com/office/drawing/2014/main" id="{66B272EC-8346-46C1-1374-4660315D6A15}"/>
+              </a:ext>
+            </a:extLst>
+          </p:cNvPr>
+          <p:cNvPicPr>
+            <a:picLocks noChangeAspect="1" noChangeArrowheads="1"/>
+          </p:cNvPicPr>
+          <p:nvPr/>
+        </p:nvPicPr>
+        <p:blipFill rotWithShape="1">
+          <a:blip r:embed="rId3">
+            <a:extLst>
+              <a:ext uri="{28A0092B-C50C-407E-A947-70E740481C1C}">
+                <a14:useLocalDpi xmlns:a14="http://schemas.microsoft.com/office/drawing/2010/main" val="0"/>
+              </a:ext>
+            </a:extLst>
+          </a:blip>
+          <a:srcRect r="80515"/>
+          <a:stretch/>
+        </p:blipFill>
+        <p:spPr bwMode="auto">
+          <a:xfrm rot="16200000">
+            <a:off x="9730941" y="3619786"/>
+            <a:ext cx="1212175" cy="3544796"/>
+          </a:xfrm>
+          <a:prstGeom prst="rect">
+            <a:avLst/>
+          </a:prstGeom>
+          <a:noFill/>
+          <a:extLst>
+            <a:ext uri="{909E8E84-426E-40DD-AFC4-6F175D3DCCD1}">
+              <a14:hiddenFill xmlns:a14="http://schemas.microsoft.com/office/drawing/2010/main">
+                <a:solidFill>
+                  <a:srgbClr val="FFFFFF"/>
+                </a:solidFill>
+              </a14:hiddenFill>
+            </a:ext>
+          </a:extLst>
+        </p:spPr>
+      </p:pic>
+      <p:sp>
+        <p:nvSpPr>
+          <p:cNvPr id="14" name="TextBox 13">
+            <a:extLst>
+              <a:ext uri="{FF2B5EF4-FFF2-40B4-BE49-F238E27FC236}">
+                <a16:creationId xmlns:a16="http://schemas.microsoft.com/office/drawing/2014/main" id="{6818A6FE-EE1D-B65E-8E1E-621AE1C022CA}"/>
+              </a:ext>
+            </a:extLst>
+          </p:cNvPr>
+          <p:cNvSpPr txBox="1"/>
+          <p:nvPr/>
+        </p:nvSpPr>
+        <p:spPr>
+          <a:xfrm>
+            <a:off x="7589949" y="1620570"/>
+            <a:ext cx="927049" cy="369332"/>
+          </a:xfrm>
+          <a:prstGeom prst="rect">
+            <a:avLst/>
+          </a:prstGeom>
+          <a:noFill/>
+        </p:spPr>
+        <p:txBody>
+          <a:bodyPr wrap="none" rtlCol="0">
+            <a:spAutoFit/>
+          </a:bodyPr>
+          <a:lstStyle/>
+          <a:p>
+            <a:r>
+              <a:rPr lang="en-US" dirty="0"/>
+              <a:t>Training</a:t>
+            </a:r>
+          </a:p>
+        </p:txBody>
+      </p:sp>
+      <p:sp>
+        <p:nvSpPr>
+          <p:cNvPr id="15" name="TextBox 14">
+            <a:extLst>
+              <a:ext uri="{FF2B5EF4-FFF2-40B4-BE49-F238E27FC236}">
+                <a16:creationId xmlns:a16="http://schemas.microsoft.com/office/drawing/2014/main" id="{EC866AC4-EC33-61FC-1406-762545DC0342}"/>
+              </a:ext>
+            </a:extLst>
+          </p:cNvPr>
+          <p:cNvSpPr txBox="1"/>
+          <p:nvPr/>
+        </p:nvSpPr>
+        <p:spPr>
+          <a:xfrm>
+            <a:off x="7143684" y="3704063"/>
+            <a:ext cx="1255472" cy="369332"/>
+          </a:xfrm>
+          <a:prstGeom prst="rect">
+            <a:avLst/>
+          </a:prstGeom>
+          <a:noFill/>
+        </p:spPr>
+        <p:txBody>
+          <a:bodyPr wrap="none" rtlCol="0">
+            <a:spAutoFit/>
+          </a:bodyPr>
+          <a:lstStyle/>
+          <a:p>
+            <a:r>
+              <a:rPr lang="en-US" dirty="0"/>
+              <a:t>Fine-tuning</a:t>
+            </a:r>
+          </a:p>
+        </p:txBody>
+      </p:sp>
+      <p:sp>
+        <p:nvSpPr>
+          <p:cNvPr id="16" name="TextBox 15">
+            <a:extLst>
+              <a:ext uri="{FF2B5EF4-FFF2-40B4-BE49-F238E27FC236}">
+                <a16:creationId xmlns:a16="http://schemas.microsoft.com/office/drawing/2014/main" id="{48D607E9-CA4B-2F0C-3564-D46FBFB965A1}"/>
+              </a:ext>
+            </a:extLst>
+          </p:cNvPr>
+          <p:cNvSpPr txBox="1"/>
+          <p:nvPr/>
+        </p:nvSpPr>
+        <p:spPr>
+          <a:xfrm>
+            <a:off x="9350173" y="368903"/>
+            <a:ext cx="1231619" cy="369332"/>
+          </a:xfrm>
+          <a:prstGeom prst="rect">
+            <a:avLst/>
+          </a:prstGeom>
+          <a:noFill/>
+        </p:spPr>
+        <p:txBody>
+          <a:bodyPr wrap="none" rtlCol="0">
+            <a:spAutoFit/>
+          </a:bodyPr>
+          <a:lstStyle/>
+          <a:p>
+            <a:r>
+              <a:rPr lang="en-US" dirty="0"/>
+              <a:t>Predictions</a:t>
+            </a:r>
+          </a:p>
+        </p:txBody>
+      </p:sp>
     </p:spTree>
     <p:extLst>
       <p:ext uri="{BB962C8B-B14F-4D97-AF65-F5344CB8AC3E}">

--- a/Reading/overview.pptx
+++ b/Reading/overview.pptx
@@ -6519,7 +6519,7 @@
         </p:blipFill>
         <p:spPr bwMode="auto">
           <a:xfrm>
-            <a:off x="3887234" y="656449"/>
+            <a:off x="3683875" y="1912516"/>
             <a:ext cx="2424349" cy="3291385"/>
           </a:xfrm>
           <a:prstGeom prst="rect">
@@ -6551,7 +6551,7 @@
         </p:nvSpPr>
         <p:spPr>
           <a:xfrm>
-            <a:off x="5099408" y="1321904"/>
+            <a:off x="4789387" y="2594113"/>
             <a:ext cx="1212175" cy="2236305"/>
           </a:xfrm>
           <a:prstGeom prst="rect">
@@ -6605,7 +6605,7 @@
         </p:nvSpPr>
         <p:spPr>
           <a:xfrm>
-            <a:off x="6450496" y="2385391"/>
+            <a:off x="6158718" y="3688702"/>
             <a:ext cx="819868" cy="417444"/>
           </a:xfrm>
           <a:prstGeom prst="rightArrow">
